--- a/translations/en-us/beyond/EV3PiCommunicator.pptx
+++ b/translations/en-us/beyond/EV3PiCommunicator.pptx
@@ -5,7 +5,7 @@
     <p:sldMasterId id="2147483864" r:id="rId1"/>
   </p:sldMasterIdLst>
   <p:notesMasterIdLst>
-    <p:notesMasterId r:id="rId12"/>
+    <p:notesMasterId r:id="rId15"/>
   </p:notesMasterIdLst>
   <p:sldIdLst>
     <p:sldId id="259" r:id="rId2"/>
@@ -17,7 +17,10 @@
     <p:sldId id="270" r:id="rId8"/>
     <p:sldId id="278" r:id="rId9"/>
     <p:sldId id="267" r:id="rId10"/>
-    <p:sldId id="269" r:id="rId11"/>
+    <p:sldId id="279" r:id="rId11"/>
+    <p:sldId id="280" r:id="rId12"/>
+    <p:sldId id="281" r:id="rId13"/>
+    <p:sldId id="269" r:id="rId14"/>
   </p:sldIdLst>
   <p:sldSz cx="9144000" cy="6858000" type="screen4x3"/>
   <p:notesSz cx="6858000" cy="9144000"/>
@@ -206,7 +209,7 @@
           <a:p>
             <a:fld id="{B56219CF-C82C-D140-AFDA-2B230CE4D65C}" type="datetimeFigureOut">
               <a:rPr lang="en-US" smtClean="0"/>
-              <a:t>2/4/2016</a:t>
+              <a:t>2/9/2016</a:t>
             </a:fld>
             <a:endParaRPr lang="en-US"/>
           </a:p>
@@ -605,7 +608,7 @@
           <a:p>
             <a:fld id="{4629FF93-891A-41ED-897E-8BD1FA05E33A}" type="datetime1">
               <a:rPr lang="en-US" smtClean="0"/>
-              <a:t>2/4/2016</a:t>
+              <a:t>2/9/2016</a:t>
             </a:fld>
             <a:endParaRPr lang="en-US" dirty="0"/>
           </a:p>
@@ -1181,7 +1184,7 @@
           <a:p>
             <a:fld id="{98A152FC-750A-43F6-83FF-6A27962CA5CF}" type="datetime1">
               <a:rPr lang="en-US" smtClean="0"/>
-              <a:t>2/4/2016</a:t>
+              <a:t>2/9/2016</a:t>
             </a:fld>
             <a:endParaRPr lang="en-US" dirty="0"/>
           </a:p>
@@ -1365,7 +1368,7 @@
           <a:p>
             <a:fld id="{FA2B24EA-E156-4421-A64D-98D104BB3505}" type="datetime1">
               <a:rPr lang="en-US" smtClean="0"/>
-              <a:t>2/4/2016</a:t>
+              <a:t>2/9/2016</a:t>
             </a:fld>
             <a:endParaRPr lang="en-US" dirty="0"/>
           </a:p>
@@ -1549,7 +1552,7 @@
           <a:p>
             <a:fld id="{337C3499-BE56-4C42-93AF-30249D67F6AC}" type="datetime1">
               <a:rPr lang="en-US" smtClean="0"/>
-              <a:t>2/4/2016</a:t>
+              <a:t>2/9/2016</a:t>
             </a:fld>
             <a:endParaRPr lang="en-US" dirty="0"/>
           </a:p>
@@ -1825,7 +1828,7 @@
           <a:p>
             <a:fld id="{DFBF153E-545B-45D9-B741-0C209C752706}" type="datetime1">
               <a:rPr lang="en-US" smtClean="0"/>
-              <a:t>2/4/2016</a:t>
+              <a:t>2/9/2016</a:t>
             </a:fld>
             <a:endParaRPr lang="en-US" dirty="0"/>
           </a:p>
@@ -2279,7 +2282,7 @@
           <a:p>
             <a:fld id="{55E5F5BA-3C2D-42B2-A1E9-C884827F3334}" type="datetime1">
               <a:rPr lang="en-US" smtClean="0"/>
-              <a:t>2/4/2016</a:t>
+              <a:t>2/9/2016</a:t>
             </a:fld>
             <a:endParaRPr lang="en-US" dirty="0"/>
           </a:p>
@@ -2760,7 +2763,7 @@
           <a:p>
             <a:fld id="{FB96491A-A54C-4155-BC5C-A275CA0A3FD1}" type="datetime1">
               <a:rPr lang="en-US" smtClean="0"/>
-              <a:t>2/4/2016</a:t>
+              <a:t>2/9/2016</a:t>
             </a:fld>
             <a:endParaRPr lang="en-US" dirty="0"/>
           </a:p>
@@ -2882,7 +2885,7 @@
           <a:p>
             <a:fld id="{C9DC78AD-72DA-48D2-8982-BB16A891BF58}" type="datetime1">
               <a:rPr lang="en-US" smtClean="0"/>
-              <a:t>2/4/2016</a:t>
+              <a:t>2/9/2016</a:t>
             </a:fld>
             <a:endParaRPr lang="en-US" dirty="0"/>
           </a:p>
@@ -2981,7 +2984,7 @@
           <a:p>
             <a:fld id="{C15C59BD-A7D5-415D-BC56-84DB53C821C3}" type="datetime1">
               <a:rPr lang="en-US" smtClean="0"/>
-              <a:t>2/4/2016</a:t>
+              <a:t>2/9/2016</a:t>
             </a:fld>
             <a:endParaRPr lang="en-US" dirty="0"/>
           </a:p>
@@ -3333,7 +3336,7 @@
           <a:p>
             <a:fld id="{02EE399D-E7FC-4538-8386-66C3C859935D}" type="datetime1">
               <a:rPr lang="en-US" smtClean="0"/>
-              <a:t>2/4/2016</a:t>
+              <a:t>2/9/2016</a:t>
             </a:fld>
             <a:endParaRPr lang="en-US" dirty="0"/>
           </a:p>
@@ -3765,7 +3768,7 @@
           <a:p>
             <a:fld id="{E220BCDE-4E7E-407A-BF10-17943C7F45CD}" type="datetime1">
               <a:rPr lang="en-US" smtClean="0"/>
-              <a:t>2/4/2016</a:t>
+              <a:t>2/9/2016</a:t>
             </a:fld>
             <a:endParaRPr lang="en-US" dirty="0"/>
           </a:p>
@@ -4082,7 +4085,7 @@
           <a:p>
             <a:fld id="{D76F09AE-D123-4579-A3D8-25DBE1294AA7}" type="datetime1">
               <a:rPr lang="en-US" smtClean="0"/>
-              <a:t>2/4/2016</a:t>
+              <a:t>2/9/2016</a:t>
             </a:fld>
             <a:endParaRPr lang="en-US" dirty="0"/>
           </a:p>
@@ -4800,11 +4803,7 @@
           <a:p>
             <a:r>
               <a:rPr lang="en-US" sz="3600" dirty="0" smtClean="0"/>
-              <a:t>LEGO MINDSTORMS and Raspberry </a:t>
-            </a:r>
-            <a:r>
-              <a:rPr lang="en-US" sz="3600" dirty="0" smtClean="0"/>
-              <a:t>Pi</a:t>
+              <a:t>LEGO MINDSTORMS and Raspberry Pi</a:t>
             </a:r>
             <a:r>
               <a:rPr lang="en-US" dirty="0" smtClean="0"/>
@@ -4861,6 +4860,423 @@
             <p:ph type="title"/>
           </p:nvPr>
         </p:nvSpPr>
+        <p:spPr/>
+        <p:txBody>
+          <a:bodyPr>
+            <a:noAutofit/>
+          </a:bodyPr>
+          <a:lstStyle/>
+          <a:p>
+            <a:r>
+              <a:rPr lang="en-US" sz="3600" dirty="0" smtClean="0"/>
+              <a:t>Extra: Send Message from the </a:t>
+            </a:r>
+            <a:r>
+              <a:rPr lang="en-US" sz="3600" dirty="0" err="1" smtClean="0"/>
+              <a:t>RPi</a:t>
+            </a:r>
+            <a:r>
+              <a:rPr lang="en-US" sz="3600" dirty="0" smtClean="0"/>
+              <a:t> to the EV3</a:t>
+            </a:r>
+            <a:endParaRPr lang="en-US" sz="3600" dirty="0"/>
+          </a:p>
+        </p:txBody>
+      </p:sp>
+      <p:sp>
+        <p:nvSpPr>
+          <p:cNvPr id="3" name="Content Placeholder 2"/>
+          <p:cNvSpPr>
+            <a:spLocks noGrp="1"/>
+          </p:cNvSpPr>
+          <p:nvPr>
+            <p:ph idx="1"/>
+          </p:nvPr>
+        </p:nvSpPr>
+        <p:spPr/>
+        <p:txBody>
+          <a:bodyPr/>
+          <a:lstStyle/>
+          <a:p>
+            <a:r>
+              <a:rPr lang="en-US" dirty="0" smtClean="0"/>
+              <a:t>The message, mailbox name and the message type needs to be encoded into a format that the EV3 can understand</a:t>
+            </a:r>
+          </a:p>
+          <a:p>
+            <a:r>
+              <a:rPr lang="en-US" dirty="0" smtClean="0"/>
+              <a:t>The data needs to be sent over Bluetooth to the EV3</a:t>
+            </a:r>
+          </a:p>
+          <a:p>
+            <a:r>
+              <a:rPr lang="en-US" dirty="0" smtClean="0"/>
+              <a:t>We have the code for this posted on EV3Lessons.com</a:t>
+            </a:r>
+          </a:p>
+          <a:p>
+            <a:r>
+              <a:rPr lang="en-US" dirty="0" smtClean="0"/>
+              <a:t>You will need this code for Challenge 3</a:t>
+            </a:r>
+            <a:endParaRPr lang="en-US" dirty="0"/>
+          </a:p>
+        </p:txBody>
+      </p:sp>
+      <p:sp>
+        <p:nvSpPr>
+          <p:cNvPr id="4" name="Footer Placeholder 3"/>
+          <p:cNvSpPr>
+            <a:spLocks noGrp="1"/>
+          </p:cNvSpPr>
+          <p:nvPr>
+            <p:ph type="ftr" sz="quarter" idx="11"/>
+          </p:nvPr>
+        </p:nvSpPr>
+        <p:spPr/>
+        <p:txBody>
+          <a:bodyPr/>
+          <a:lstStyle/>
+          <a:p>
+            <a:r>
+              <a:rPr lang="en-US" smtClean="0"/>
+              <a:t>© EV3Lessons 2016 (Last Update: 2/4/2016)</a:t>
+            </a:r>
+            <a:endParaRPr lang="en-US" dirty="0"/>
+          </a:p>
+        </p:txBody>
+      </p:sp>
+      <p:sp>
+        <p:nvSpPr>
+          <p:cNvPr id="5" name="Slide Number Placeholder 4"/>
+          <p:cNvSpPr>
+            <a:spLocks noGrp="1"/>
+          </p:cNvSpPr>
+          <p:nvPr>
+            <p:ph type="sldNum" sz="quarter" idx="12"/>
+          </p:nvPr>
+        </p:nvSpPr>
+        <p:spPr/>
+        <p:txBody>
+          <a:bodyPr/>
+          <a:lstStyle/>
+          <a:p>
+            <a:fld id="{4FAB73BC-B049-4115-A692-8D63A059BFB8}" type="slidenum">
+              <a:rPr lang="en-US" smtClean="0"/>
+              <a:t>10</a:t>
+            </a:fld>
+            <a:endParaRPr lang="en-US" dirty="0"/>
+          </a:p>
+        </p:txBody>
+      </p:sp>
+    </p:spTree>
+    <p:extLst>
+      <p:ext uri="{BB962C8B-B14F-4D97-AF65-F5344CB8AC3E}">
+        <p14:creationId xmlns:p14="http://schemas.microsoft.com/office/powerpoint/2010/main" val="704466581"/>
+      </p:ext>
+    </p:extLst>
+  </p:cSld>
+  <p:clrMapOvr>
+    <a:masterClrMapping/>
+  </p:clrMapOvr>
+</p:sld>
+</file>
+
+<file path=ppt/slides/slide11.xml><?xml version="1.0" encoding="utf-8"?>
+<p:sld xmlns:a="http://schemas.openxmlformats.org/drawingml/2006/main" xmlns:r="http://schemas.openxmlformats.org/officeDocument/2006/relationships" xmlns:p="http://schemas.openxmlformats.org/presentationml/2006/main">
+  <p:cSld>
+    <p:spTree>
+      <p:nvGrpSpPr>
+        <p:cNvPr id="1" name=""/>
+        <p:cNvGrpSpPr/>
+        <p:nvPr/>
+      </p:nvGrpSpPr>
+      <p:grpSpPr>
+        <a:xfrm>
+          <a:off x="0" y="0"/>
+          <a:ext cx="0" cy="0"/>
+          <a:chOff x="0" y="0"/>
+          <a:chExt cx="0" cy="0"/>
+        </a:xfrm>
+      </p:grpSpPr>
+      <p:sp>
+        <p:nvSpPr>
+          <p:cNvPr id="2" name="Title 1"/>
+          <p:cNvSpPr>
+            <a:spLocks noGrp="1"/>
+          </p:cNvSpPr>
+          <p:nvPr>
+            <p:ph type="title"/>
+          </p:nvPr>
+        </p:nvSpPr>
+        <p:spPr/>
+        <p:txBody>
+          <a:bodyPr/>
+          <a:lstStyle/>
+          <a:p>
+            <a:r>
+              <a:rPr lang="en-US" dirty="0" smtClean="0"/>
+              <a:t>Challenge 3: Receive </a:t>
+            </a:r>
+            <a:r>
+              <a:rPr lang="en-US" dirty="0" err="1" smtClean="0"/>
+              <a:t>RPi</a:t>
+            </a:r>
+            <a:r>
+              <a:rPr lang="en-US" dirty="0" smtClean="0"/>
+              <a:t> Message</a:t>
+            </a:r>
+            <a:endParaRPr lang="en-US" dirty="0"/>
+          </a:p>
+        </p:txBody>
+      </p:sp>
+      <p:sp>
+        <p:nvSpPr>
+          <p:cNvPr id="3" name="Content Placeholder 2"/>
+          <p:cNvSpPr>
+            <a:spLocks noGrp="1"/>
+          </p:cNvSpPr>
+          <p:nvPr>
+            <p:ph idx="1"/>
+          </p:nvPr>
+        </p:nvSpPr>
+        <p:spPr/>
+        <p:txBody>
+          <a:bodyPr/>
+          <a:lstStyle/>
+          <a:p>
+            <a:r>
+              <a:rPr lang="en-US" dirty="0" smtClean="0"/>
+              <a:t>Make an EV3 program that will receive the </a:t>
+            </a:r>
+            <a:r>
+              <a:rPr lang="en-US" dirty="0" err="1" smtClean="0"/>
+              <a:t>RPi’s</a:t>
+            </a:r>
+            <a:r>
+              <a:rPr lang="en-US" dirty="0" smtClean="0"/>
+              <a:t> message and print it on the screen</a:t>
+            </a:r>
+          </a:p>
+          <a:p>
+            <a:r>
+              <a:rPr lang="en-US" dirty="0" smtClean="0"/>
+              <a:t>Play the program on the Raspberry Pi and the EV3</a:t>
+            </a:r>
+          </a:p>
+          <a:p>
+            <a:endParaRPr lang="en-US" dirty="0"/>
+          </a:p>
+        </p:txBody>
+      </p:sp>
+      <p:sp>
+        <p:nvSpPr>
+          <p:cNvPr id="4" name="Footer Placeholder 3"/>
+          <p:cNvSpPr>
+            <a:spLocks noGrp="1"/>
+          </p:cNvSpPr>
+          <p:nvPr>
+            <p:ph type="ftr" sz="quarter" idx="11"/>
+          </p:nvPr>
+        </p:nvSpPr>
+        <p:spPr/>
+        <p:txBody>
+          <a:bodyPr/>
+          <a:lstStyle/>
+          <a:p>
+            <a:r>
+              <a:rPr lang="en-US" smtClean="0"/>
+              <a:t>© EV3Lessons 2016 (Last Update: 2/4/2016)</a:t>
+            </a:r>
+            <a:endParaRPr lang="en-US" dirty="0"/>
+          </a:p>
+        </p:txBody>
+      </p:sp>
+      <p:sp>
+        <p:nvSpPr>
+          <p:cNvPr id="5" name="Slide Number Placeholder 4"/>
+          <p:cNvSpPr>
+            <a:spLocks noGrp="1"/>
+          </p:cNvSpPr>
+          <p:nvPr>
+            <p:ph type="sldNum" sz="quarter" idx="12"/>
+          </p:nvPr>
+        </p:nvSpPr>
+        <p:spPr/>
+        <p:txBody>
+          <a:bodyPr/>
+          <a:lstStyle/>
+          <a:p>
+            <a:fld id="{4FAB73BC-B049-4115-A692-8D63A059BFB8}" type="slidenum">
+              <a:rPr lang="en-US" smtClean="0"/>
+              <a:t>11</a:t>
+            </a:fld>
+            <a:endParaRPr lang="en-US" dirty="0"/>
+          </a:p>
+        </p:txBody>
+      </p:sp>
+    </p:spTree>
+    <p:extLst>
+      <p:ext uri="{BB962C8B-B14F-4D97-AF65-F5344CB8AC3E}">
+        <p14:creationId xmlns:p14="http://schemas.microsoft.com/office/powerpoint/2010/main" val="1290782200"/>
+      </p:ext>
+    </p:extLst>
+  </p:cSld>
+  <p:clrMapOvr>
+    <a:masterClrMapping/>
+  </p:clrMapOvr>
+</p:sld>
+</file>
+
+<file path=ppt/slides/slide12.xml><?xml version="1.0" encoding="utf-8"?>
+<p:sld xmlns:a="http://schemas.openxmlformats.org/drawingml/2006/main" xmlns:r="http://schemas.openxmlformats.org/officeDocument/2006/relationships" xmlns:p="http://schemas.openxmlformats.org/presentationml/2006/main">
+  <p:cSld>
+    <p:spTree>
+      <p:nvGrpSpPr>
+        <p:cNvPr id="1" name=""/>
+        <p:cNvGrpSpPr/>
+        <p:nvPr/>
+      </p:nvGrpSpPr>
+      <p:grpSpPr>
+        <a:xfrm>
+          <a:off x="0" y="0"/>
+          <a:ext cx="0" cy="0"/>
+          <a:chOff x="0" y="0"/>
+          <a:chExt cx="0" cy="0"/>
+        </a:xfrm>
+      </p:grpSpPr>
+      <p:sp>
+        <p:nvSpPr>
+          <p:cNvPr id="2" name="Title 1"/>
+          <p:cNvSpPr>
+            <a:spLocks noGrp="1"/>
+          </p:cNvSpPr>
+          <p:nvPr>
+            <p:ph type="title"/>
+          </p:nvPr>
+        </p:nvSpPr>
+        <p:spPr/>
+        <p:txBody>
+          <a:bodyPr/>
+          <a:lstStyle/>
+          <a:p>
+            <a:r>
+              <a:rPr lang="en-US" dirty="0" smtClean="0"/>
+              <a:t>Challenge 3 Solution </a:t>
+            </a:r>
+            <a:endParaRPr lang="en-US" dirty="0"/>
+          </a:p>
+        </p:txBody>
+      </p:sp>
+      <p:pic>
+        <p:nvPicPr>
+          <p:cNvPr id="6" name="Content Placeholder 5" descr="LEGO MINDSTORMS Education EV3 Teacher Edition"/>
+          <p:cNvPicPr>
+            <a:picLocks noGrp="1" noChangeAspect="1"/>
+          </p:cNvPicPr>
+          <p:nvPr>
+            <p:ph idx="1"/>
+          </p:nvPr>
+        </p:nvPicPr>
+        <p:blipFill rotWithShape="1">
+          <a:blip r:embed="rId2"/>
+          <a:srcRect l="5299" t="16483" r="52389" b="39154"/>
+          <a:stretch/>
+        </p:blipFill>
+        <p:spPr>
+          <a:xfrm>
+            <a:off x="167189" y="1409422"/>
+            <a:ext cx="8134582" cy="3713083"/>
+          </a:xfrm>
+        </p:spPr>
+      </p:pic>
+      <p:sp>
+        <p:nvSpPr>
+          <p:cNvPr id="4" name="Footer Placeholder 3"/>
+          <p:cNvSpPr>
+            <a:spLocks noGrp="1"/>
+          </p:cNvSpPr>
+          <p:nvPr>
+            <p:ph type="ftr" sz="quarter" idx="11"/>
+          </p:nvPr>
+        </p:nvSpPr>
+        <p:spPr/>
+        <p:txBody>
+          <a:bodyPr/>
+          <a:lstStyle/>
+          <a:p>
+            <a:r>
+              <a:rPr lang="en-US" smtClean="0"/>
+              <a:t>© EV3Lessons 2016 (Last Update: 2/4/2016)</a:t>
+            </a:r>
+            <a:endParaRPr lang="en-US" dirty="0"/>
+          </a:p>
+        </p:txBody>
+      </p:sp>
+      <p:sp>
+        <p:nvSpPr>
+          <p:cNvPr id="5" name="Slide Number Placeholder 4"/>
+          <p:cNvSpPr>
+            <a:spLocks noGrp="1"/>
+          </p:cNvSpPr>
+          <p:nvPr>
+            <p:ph type="sldNum" sz="quarter" idx="12"/>
+          </p:nvPr>
+        </p:nvSpPr>
+        <p:spPr/>
+        <p:txBody>
+          <a:bodyPr/>
+          <a:lstStyle/>
+          <a:p>
+            <a:fld id="{4FAB73BC-B049-4115-A692-8D63A059BFB8}" type="slidenum">
+              <a:rPr lang="en-US" smtClean="0"/>
+              <a:t>12</a:t>
+            </a:fld>
+            <a:endParaRPr lang="en-US" dirty="0"/>
+          </a:p>
+        </p:txBody>
+      </p:sp>
+    </p:spTree>
+    <p:extLst>
+      <p:ext uri="{BB962C8B-B14F-4D97-AF65-F5344CB8AC3E}">
+        <p14:creationId xmlns:p14="http://schemas.microsoft.com/office/powerpoint/2010/main" val="1308595576"/>
+      </p:ext>
+    </p:extLst>
+  </p:cSld>
+  <p:clrMapOvr>
+    <a:masterClrMapping/>
+  </p:clrMapOvr>
+</p:sld>
+</file>
+
+<file path=ppt/slides/slide13.xml><?xml version="1.0" encoding="utf-8"?>
+<p:sld xmlns:a="http://schemas.openxmlformats.org/drawingml/2006/main" xmlns:r="http://schemas.openxmlformats.org/officeDocument/2006/relationships" xmlns:p="http://schemas.openxmlformats.org/presentationml/2006/main">
+  <p:cSld>
+    <p:spTree>
+      <p:nvGrpSpPr>
+        <p:cNvPr id="1" name=""/>
+        <p:cNvGrpSpPr/>
+        <p:nvPr/>
+      </p:nvGrpSpPr>
+      <p:grpSpPr>
+        <a:xfrm>
+          <a:off x="0" y="0"/>
+          <a:ext cx="0" cy="0"/>
+          <a:chOff x="0" y="0"/>
+          <a:chExt cx="0" cy="0"/>
+        </a:xfrm>
+      </p:grpSpPr>
+      <p:sp>
+        <p:nvSpPr>
+          <p:cNvPr id="2" name="Title 1"/>
+          <p:cNvSpPr>
+            <a:spLocks noGrp="1"/>
+          </p:cNvSpPr>
+          <p:nvPr>
+            <p:ph type="title"/>
+          </p:nvPr>
+        </p:nvSpPr>
         <p:spPr>
           <a:xfrm>
             <a:off x="356665" y="439032"/>
@@ -4958,11 +5374,7 @@
             </a:r>
             <a:r>
               <a:rPr lang="en-US" sz="1800" dirty="0" smtClean="0"/>
-              <a:t> </a:t>
-            </a:r>
-            <a:r>
-              <a:rPr lang="en-US" sz="1800" dirty="0" smtClean="0"/>
-              <a:t>for the code to connect a Raspberry Pi to an EV3</a:t>
+              <a:t> for the code to connect a Raspberry Pi to an EV3</a:t>
             </a:r>
           </a:p>
         </p:txBody>
@@ -5015,7 +5427,7 @@
           <a:effectLst/>
           <a:extLst>
             <a:ext uri="{91240B29-F687-4f45-9708-019B960494DF}">
-              <a14:hiddenLine xmlns:a14="http://schemas.microsoft.com/office/drawing/2010/main" xmlns="" w="9525">
+              <a14:hiddenLine xmlns="" xmlns:a14="http://schemas.microsoft.com/office/drawing/2010/main" w="9525">
                 <a:solidFill>
                   <a:schemeClr val="tx1"/>
                 </a:solidFill>
@@ -5025,7 +5437,7 @@
               </a14:hiddenLine>
             </a:ext>
             <a:ext uri="{AF507438-7753-43e0-B8FC-AC1667EBCBE1}">
-              <a14:hiddenEffects xmlns:a14="http://schemas.microsoft.com/office/drawing/2010/main" xmlns="">
+              <a14:hiddenEffects xmlns="" xmlns:a14="http://schemas.microsoft.com/office/drawing/2010/main">
                 <a:effectLst>
                   <a:outerShdw dist="35921" dir="2700000" algn="ctr" rotWithShape="0">
                     <a:schemeClr val="bg2"/>
@@ -5378,7 +5790,7 @@
           <a:noFill/>
           <a:extLst>
             <a:ext uri="{909E8E84-426E-40dd-AFC4-6F175D3DCCD1}">
-              <a14:hiddenFill xmlns:a14="http://schemas.microsoft.com/office/drawing/2010/main" xmlns="">
+              <a14:hiddenFill xmlns="" xmlns:a14="http://schemas.microsoft.com/office/drawing/2010/main">
                 <a:solidFill>
                   <a:srgbClr val="FFFFFF"/>
                 </a:solidFill>
@@ -5404,7 +5816,7 @@
           <a:p>
             <a:fld id="{4DBC7FC8-25FB-FC45-8177-2B991DA6778C}" type="slidenum">
               <a:rPr lang="en-US" smtClean="0"/>
-              <a:t>10</a:t>
+              <a:t>13</a:t>
             </a:fld>
             <a:endParaRPr lang="en-US"/>
           </a:p>
@@ -5480,11 +5892,7 @@
           <a:p>
             <a:r>
               <a:rPr lang="en-US" dirty="0" smtClean="0"/>
-              <a:t>Learn </a:t>
-            </a:r>
-            <a:r>
-              <a:rPr lang="en-US" dirty="0" smtClean="0"/>
-              <a:t>how to make the EV3 communicate with a Raspberry Pi</a:t>
+              <a:t>Learn how to make the EV3 communicate with a Raspberry Pi</a:t>
             </a:r>
           </a:p>
           <a:p>
@@ -5949,11 +6357,7 @@
           <a:p>
             <a:r>
               <a:rPr lang="en-US" dirty="0" smtClean="0"/>
-              <a:t>Install software </a:t>
-            </a:r>
-            <a:r>
-              <a:rPr lang="en-US" dirty="0" smtClean="0"/>
-              <a:t>on the Raspberry Pi</a:t>
+              <a:t>Install software on the Raspberry Pi</a:t>
             </a:r>
           </a:p>
           <a:p>
@@ -6189,11 +6593,7 @@
             </a:r>
             <a:r>
               <a:rPr lang="en-US" dirty="0" smtClean="0"/>
-              <a:t>: </a:t>
-            </a:r>
-            <a:r>
-              <a:rPr lang="en-US" dirty="0" smtClean="0"/>
-              <a:t>Bluetooth EV3 to Pi</a:t>
+              <a:t>: Bluetooth EV3 to Pi</a:t>
             </a:r>
             <a:endParaRPr lang="en-US" dirty="0"/>
           </a:p>
@@ -6397,7 +6797,6 @@
               <a:rPr lang="en-US" dirty="0" smtClean="0"/>
               <a:t> with the Mac Address</a:t>
             </a:r>
-            <a:endParaRPr lang="en-US" dirty="0" smtClean="0"/>
           </a:p>
           <a:p>
             <a:r>
@@ -6532,11 +6931,7 @@
             </a:r>
             <a:r>
               <a:rPr lang="en-US" dirty="0" smtClean="0"/>
-              <a:t>: </a:t>
-            </a:r>
-            <a:r>
-              <a:rPr lang="en-US" dirty="0" smtClean="0"/>
-              <a:t>Base Code </a:t>
+              <a:t>: Base Code </a:t>
             </a:r>
             <a:endParaRPr lang="en-US" dirty="0"/>
           </a:p>
